--- a/Ratings Prediction Project Report_Presentation.pptx
+++ b/Ratings Prediction Project Report_Presentation.pptx
@@ -315,7 +315,7 @@
           <a:p>
             <a:fld id="{DD2E9179-F1E3-43BB-B9C0-7CBD51703B71}" type="datetimeFigureOut">
               <a:rPr lang="en-US" smtClean="0"/>
-              <a:t>10/22/2022</a:t>
+              <a:t>10/26/2022</a:t>
             </a:fld>
             <a:endParaRPr lang="en-US"/>
           </a:p>
@@ -590,7 +590,7 @@
           <a:p>
             <a:fld id="{DD2E9179-F1E3-43BB-B9C0-7CBD51703B71}" type="datetimeFigureOut">
               <a:rPr lang="en-US" smtClean="0"/>
-              <a:t>10/22/2022</a:t>
+              <a:t>10/26/2022</a:t>
             </a:fld>
             <a:endParaRPr lang="en-US"/>
           </a:p>
@@ -784,7 +784,7 @@
           <a:p>
             <a:fld id="{DD2E9179-F1E3-43BB-B9C0-7CBD51703B71}" type="datetimeFigureOut">
               <a:rPr lang="en-US" smtClean="0"/>
-              <a:t>10/22/2022</a:t>
+              <a:t>10/26/2022</a:t>
             </a:fld>
             <a:endParaRPr lang="en-US"/>
           </a:p>
@@ -1057,7 +1057,7 @@
           <a:p>
             <a:fld id="{DD2E9179-F1E3-43BB-B9C0-7CBD51703B71}" type="datetimeFigureOut">
               <a:rPr lang="en-US" smtClean="0"/>
-              <a:t>10/22/2022</a:t>
+              <a:t>10/26/2022</a:t>
             </a:fld>
             <a:endParaRPr lang="en-US"/>
           </a:p>
@@ -1398,7 +1398,7 @@
           <a:p>
             <a:fld id="{DD2E9179-F1E3-43BB-B9C0-7CBD51703B71}" type="datetimeFigureOut">
               <a:rPr lang="en-US" smtClean="0"/>
-              <a:t>10/22/2022</a:t>
+              <a:t>10/26/2022</a:t>
             </a:fld>
             <a:endParaRPr lang="en-US"/>
           </a:p>
@@ -2021,7 +2021,7 @@
           <a:p>
             <a:fld id="{DD2E9179-F1E3-43BB-B9C0-7CBD51703B71}" type="datetimeFigureOut">
               <a:rPr lang="en-US" smtClean="0"/>
-              <a:t>10/22/2022</a:t>
+              <a:t>10/26/2022</a:t>
             </a:fld>
             <a:endParaRPr lang="en-US"/>
           </a:p>
@@ -2881,7 +2881,7 @@
           <a:p>
             <a:fld id="{DD2E9179-F1E3-43BB-B9C0-7CBD51703B71}" type="datetimeFigureOut">
               <a:rPr lang="en-US" smtClean="0"/>
-              <a:t>10/22/2022</a:t>
+              <a:t>10/26/2022</a:t>
             </a:fld>
             <a:endParaRPr lang="en-US"/>
           </a:p>
@@ -3051,7 +3051,7 @@
           <a:p>
             <a:fld id="{DD2E9179-F1E3-43BB-B9C0-7CBD51703B71}" type="datetimeFigureOut">
               <a:rPr lang="en-US" smtClean="0"/>
-              <a:t>10/22/2022</a:t>
+              <a:t>10/26/2022</a:t>
             </a:fld>
             <a:endParaRPr lang="en-US"/>
           </a:p>
@@ -3231,7 +3231,7 @@
           <a:p>
             <a:fld id="{DD2E9179-F1E3-43BB-B9C0-7CBD51703B71}" type="datetimeFigureOut">
               <a:rPr lang="en-US" smtClean="0"/>
-              <a:t>10/22/2022</a:t>
+              <a:t>10/26/2022</a:t>
             </a:fld>
             <a:endParaRPr lang="en-US"/>
           </a:p>
@@ -3401,7 +3401,7 @@
           <a:p>
             <a:fld id="{DD2E9179-F1E3-43BB-B9C0-7CBD51703B71}" type="datetimeFigureOut">
               <a:rPr lang="en-US" smtClean="0"/>
-              <a:t>10/22/2022</a:t>
+              <a:t>10/26/2022</a:t>
             </a:fld>
             <a:endParaRPr lang="en-US"/>
           </a:p>
@@ -3648,7 +3648,7 @@
           <a:p>
             <a:fld id="{DD2E9179-F1E3-43BB-B9C0-7CBD51703B71}" type="datetimeFigureOut">
               <a:rPr lang="en-US" smtClean="0"/>
-              <a:t>10/22/2022</a:t>
+              <a:t>10/26/2022</a:t>
             </a:fld>
             <a:endParaRPr lang="en-US"/>
           </a:p>
@@ -3940,7 +3940,7 @@
           <a:p>
             <a:fld id="{DD2E9179-F1E3-43BB-B9C0-7CBD51703B71}" type="datetimeFigureOut">
               <a:rPr lang="en-US" smtClean="0"/>
-              <a:t>10/22/2022</a:t>
+              <a:t>10/26/2022</a:t>
             </a:fld>
             <a:endParaRPr lang="en-US"/>
           </a:p>
@@ -4384,7 +4384,7 @@
           <a:p>
             <a:fld id="{DD2E9179-F1E3-43BB-B9C0-7CBD51703B71}" type="datetimeFigureOut">
               <a:rPr lang="en-US" smtClean="0"/>
-              <a:t>10/22/2022</a:t>
+              <a:t>10/26/2022</a:t>
             </a:fld>
             <a:endParaRPr lang="en-US"/>
           </a:p>
@@ -4502,7 +4502,7 @@
           <a:p>
             <a:fld id="{DD2E9179-F1E3-43BB-B9C0-7CBD51703B71}" type="datetimeFigureOut">
               <a:rPr lang="en-US" smtClean="0"/>
-              <a:t>10/22/2022</a:t>
+              <a:t>10/26/2022</a:t>
             </a:fld>
             <a:endParaRPr lang="en-US"/>
           </a:p>
@@ -4597,7 +4597,7 @@
           <a:p>
             <a:fld id="{DD2E9179-F1E3-43BB-B9C0-7CBD51703B71}" type="datetimeFigureOut">
               <a:rPr lang="en-US" smtClean="0"/>
-              <a:t>10/22/2022</a:t>
+              <a:t>10/26/2022</a:t>
             </a:fld>
             <a:endParaRPr lang="en-US"/>
           </a:p>
@@ -4876,7 +4876,7 @@
           <a:p>
             <a:fld id="{DD2E9179-F1E3-43BB-B9C0-7CBD51703B71}" type="datetimeFigureOut">
               <a:rPr lang="en-US" smtClean="0"/>
-              <a:t>10/22/2022</a:t>
+              <a:t>10/26/2022</a:t>
             </a:fld>
             <a:endParaRPr lang="en-US"/>
           </a:p>
@@ -5151,7 +5151,7 @@
           <a:p>
             <a:fld id="{DD2E9179-F1E3-43BB-B9C0-7CBD51703B71}" type="datetimeFigureOut">
               <a:rPr lang="en-US" smtClean="0"/>
-              <a:t>10/22/2022</a:t>
+              <a:t>10/26/2022</a:t>
             </a:fld>
             <a:endParaRPr lang="en-US"/>
           </a:p>
@@ -5580,7 +5580,7 @@
           <a:p>
             <a:fld id="{DD2E9179-F1E3-43BB-B9C0-7CBD51703B71}" type="datetimeFigureOut">
               <a:rPr lang="en-US" smtClean="0"/>
-              <a:t>10/22/2022</a:t>
+              <a:t>10/26/2022</a:t>
             </a:fld>
             <a:endParaRPr lang="en-US"/>
           </a:p>
